--- a/English/3.Modeling/1.Manage relationships.pptx
+++ b/English/3.Modeling/1.Manage relationships.pptx
@@ -204,7 +204,7 @@
           <a:p>
             <a:fld id="{056BA3B8-9F76-4D81-B71D-76CB85363062}" type="datetimeFigureOut">
               <a:rPr lang="en-US" smtClean="0"/>
-              <a:t>1/7/2025</a:t>
+              <a:t>4/3/2025</a:t>
             </a:fld>
             <a:endParaRPr lang="en-US"/>
           </a:p>
@@ -603,7 +603,7 @@
           <a:p>
             <a:fld id="{6F01DA4D-20EA-48D2-973C-0311EC3005D6}" type="datetimeFigureOut">
               <a:rPr lang="en-US" smtClean="0"/>
-              <a:t>1/7/2025</a:t>
+              <a:t>4/3/2025</a:t>
             </a:fld>
             <a:endParaRPr lang="en-US"/>
           </a:p>
@@ -773,7 +773,7 @@
           <a:p>
             <a:fld id="{6F01DA4D-20EA-48D2-973C-0311EC3005D6}" type="datetimeFigureOut">
               <a:rPr lang="en-US" smtClean="0"/>
-              <a:t>1/7/2025</a:t>
+              <a:t>4/3/2025</a:t>
             </a:fld>
             <a:endParaRPr lang="en-US"/>
           </a:p>
@@ -953,7 +953,7 @@
           <a:p>
             <a:fld id="{6F01DA4D-20EA-48D2-973C-0311EC3005D6}" type="datetimeFigureOut">
               <a:rPr lang="en-US" smtClean="0"/>
-              <a:t>1/7/2025</a:t>
+              <a:t>4/3/2025</a:t>
             </a:fld>
             <a:endParaRPr lang="en-US"/>
           </a:p>
@@ -1123,7 +1123,7 @@
           <a:p>
             <a:fld id="{6F01DA4D-20EA-48D2-973C-0311EC3005D6}" type="datetimeFigureOut">
               <a:rPr lang="en-US" smtClean="0"/>
-              <a:t>1/7/2025</a:t>
+              <a:t>4/3/2025</a:t>
             </a:fld>
             <a:endParaRPr lang="en-US"/>
           </a:p>
@@ -1369,7 +1369,7 @@
           <a:p>
             <a:fld id="{6F01DA4D-20EA-48D2-973C-0311EC3005D6}" type="datetimeFigureOut">
               <a:rPr lang="en-US" smtClean="0"/>
-              <a:t>1/7/2025</a:t>
+              <a:t>4/3/2025</a:t>
             </a:fld>
             <a:endParaRPr lang="en-US"/>
           </a:p>
@@ -1601,7 +1601,7 @@
           <a:p>
             <a:fld id="{6F01DA4D-20EA-48D2-973C-0311EC3005D6}" type="datetimeFigureOut">
               <a:rPr lang="en-US" smtClean="0"/>
-              <a:t>1/7/2025</a:t>
+              <a:t>4/3/2025</a:t>
             </a:fld>
             <a:endParaRPr lang="en-US"/>
           </a:p>
@@ -1968,7 +1968,7 @@
           <a:p>
             <a:fld id="{6F01DA4D-20EA-48D2-973C-0311EC3005D6}" type="datetimeFigureOut">
               <a:rPr lang="en-US" smtClean="0"/>
-              <a:t>1/7/2025</a:t>
+              <a:t>4/3/2025</a:t>
             </a:fld>
             <a:endParaRPr lang="en-US"/>
           </a:p>
@@ -2086,7 +2086,7 @@
           <a:p>
             <a:fld id="{6F01DA4D-20EA-48D2-973C-0311EC3005D6}" type="datetimeFigureOut">
               <a:rPr lang="en-US" smtClean="0"/>
-              <a:t>1/7/2025</a:t>
+              <a:t>4/3/2025</a:t>
             </a:fld>
             <a:endParaRPr lang="en-US"/>
           </a:p>
@@ -2181,7 +2181,7 @@
           <a:p>
             <a:fld id="{6F01DA4D-20EA-48D2-973C-0311EC3005D6}" type="datetimeFigureOut">
               <a:rPr lang="en-US" smtClean="0"/>
-              <a:t>1/7/2025</a:t>
+              <a:t>4/3/2025</a:t>
             </a:fld>
             <a:endParaRPr lang="en-US"/>
           </a:p>
@@ -2458,7 +2458,7 @@
           <a:p>
             <a:fld id="{6F01DA4D-20EA-48D2-973C-0311EC3005D6}" type="datetimeFigureOut">
               <a:rPr lang="en-US" smtClean="0"/>
-              <a:t>1/7/2025</a:t>
+              <a:t>4/3/2025</a:t>
             </a:fld>
             <a:endParaRPr lang="en-US"/>
           </a:p>
@@ -2711,7 +2711,7 @@
           <a:p>
             <a:fld id="{6F01DA4D-20EA-48D2-973C-0311EC3005D6}" type="datetimeFigureOut">
               <a:rPr lang="en-US" smtClean="0"/>
-              <a:t>1/7/2025</a:t>
+              <a:t>4/3/2025</a:t>
             </a:fld>
             <a:endParaRPr lang="en-US"/>
           </a:p>
@@ -2924,7 +2924,7 @@
           <a:p>
             <a:fld id="{6F01DA4D-20EA-48D2-973C-0311EC3005D6}" type="datetimeFigureOut">
               <a:rPr lang="en-US" smtClean="0"/>
-              <a:t>1/7/2025</a:t>
+              <a:t>4/3/2025</a:t>
             </a:fld>
             <a:endParaRPr lang="en-US"/>
           </a:p>
